--- a/Status Presentation.pptx
+++ b/Status Presentation.pptx
@@ -200,7 +200,7 @@
           <a:p>
             <a:fld id="{28A5C8D5-CE72-6D46-96EE-7216DCBF0309}" type="datetimeFigureOut">
               <a:rPr lang="en-US" smtClean="0"/>
-              <a:t>3/28/18</a:t>
+              <a:t>3/29/18</a:t>
             </a:fld>
             <a:endParaRPr lang="en-US"/>
           </a:p>
@@ -469,6 +469,218 @@
 </file>
 
 <file path=ppt/notesSlides/notesSlide1.xml><?xml version="1.0" encoding="utf-8"?>
+<p:notes xmlns:a="http://schemas.openxmlformats.org/drawingml/2006/main" xmlns:r="http://schemas.openxmlformats.org/officeDocument/2006/relationships" xmlns:p="http://schemas.openxmlformats.org/presentationml/2006/main">
+  <p:cSld>
+    <p:spTree>
+      <p:nvGrpSpPr>
+        <p:cNvPr id="1" name=""/>
+        <p:cNvGrpSpPr/>
+        <p:nvPr/>
+      </p:nvGrpSpPr>
+      <p:grpSpPr>
+        <a:xfrm>
+          <a:off x="0" y="0"/>
+          <a:ext cx="0" cy="0"/>
+          <a:chOff x="0" y="0"/>
+          <a:chExt cx="0" cy="0"/>
+        </a:xfrm>
+      </p:grpSpPr>
+      <p:sp>
+        <p:nvSpPr>
+          <p:cNvPr id="2" name="Slide Image Placeholder 1"/>
+          <p:cNvSpPr>
+            <a:spLocks noGrp="1" noRot="1" noChangeAspect="1"/>
+          </p:cNvSpPr>
+          <p:nvPr>
+            <p:ph type="sldImg"/>
+          </p:nvPr>
+        </p:nvSpPr>
+        <p:spPr/>
+      </p:sp>
+      <p:sp>
+        <p:nvSpPr>
+          <p:cNvPr id="3" name="Notes Placeholder 2"/>
+          <p:cNvSpPr>
+            <a:spLocks noGrp="1"/>
+          </p:cNvSpPr>
+          <p:nvPr>
+            <p:ph type="body" idx="1"/>
+          </p:nvPr>
+        </p:nvSpPr>
+        <p:spPr/>
+        <p:txBody>
+          <a:bodyPr/>
+          <a:lstStyle/>
+          <a:p>
+            <a:pPr marL="171450" indent="-171450">
+              <a:buFontTx/>
+              <a:buChar char="-"/>
+            </a:pPr>
+            <a:r>
+              <a:rPr lang="en-US" dirty="0" smtClean="0"/>
+              <a:t>Classrooms</a:t>
+            </a:r>
+            <a:r>
+              <a:rPr lang="en-US" baseline="0" dirty="0" smtClean="0"/>
+              <a:t> might not recycle correctly if they even have recycling available</a:t>
+            </a:r>
+          </a:p>
+          <a:p>
+            <a:pPr marL="171450" indent="-171450">
+              <a:buFontTx/>
+              <a:buChar char="-"/>
+            </a:pPr>
+            <a:r>
+              <a:rPr lang="en-US" baseline="0" dirty="0" smtClean="0"/>
+              <a:t>We could eventually run out of the materials we’re used to using every day</a:t>
+            </a:r>
+          </a:p>
+          <a:p>
+            <a:pPr marL="171450" indent="-171450">
+              <a:buFontTx/>
+              <a:buChar char="-"/>
+            </a:pPr>
+            <a:r>
+              <a:rPr lang="en-US" dirty="0" smtClean="0"/>
+              <a:t>Things</a:t>
+            </a:r>
+            <a:r>
+              <a:rPr lang="en-US" baseline="0" dirty="0" smtClean="0"/>
+              <a:t> that could be recycled instead end up in landfills </a:t>
+            </a:r>
+            <a:endParaRPr lang="en-US" dirty="0"/>
+          </a:p>
+        </p:txBody>
+      </p:sp>
+      <p:sp>
+        <p:nvSpPr>
+          <p:cNvPr id="4" name="Slide Number Placeholder 3"/>
+          <p:cNvSpPr>
+            <a:spLocks noGrp="1"/>
+          </p:cNvSpPr>
+          <p:nvPr>
+            <p:ph type="sldNum" sz="quarter" idx="10"/>
+          </p:nvPr>
+        </p:nvSpPr>
+        <p:spPr/>
+        <p:txBody>
+          <a:bodyPr/>
+          <a:lstStyle/>
+          <a:p>
+            <a:fld id="{A466435C-5B28-5042-9BB8-46CA067E8E08}" type="slidenum">
+              <a:rPr lang="en-US" smtClean="0"/>
+              <a:t>2</a:t>
+            </a:fld>
+            <a:endParaRPr lang="en-US"/>
+          </a:p>
+        </p:txBody>
+      </p:sp>
+    </p:spTree>
+    <p:extLst>
+      <p:ext uri="{BB962C8B-B14F-4D97-AF65-F5344CB8AC3E}">
+        <p14:creationId xmlns:p14="http://schemas.microsoft.com/office/powerpoint/2010/main" val="2180502523"/>
+      </p:ext>
+    </p:extLst>
+  </p:cSld>
+  <p:clrMapOvr>
+    <a:masterClrMapping/>
+  </p:clrMapOvr>
+</p:notes>
+</file>
+
+<file path=ppt/notesSlides/notesSlide2.xml><?xml version="1.0" encoding="utf-8"?>
+<p:notes xmlns:a="http://schemas.openxmlformats.org/drawingml/2006/main" xmlns:r="http://schemas.openxmlformats.org/officeDocument/2006/relationships" xmlns:p="http://schemas.openxmlformats.org/presentationml/2006/main">
+  <p:cSld>
+    <p:spTree>
+      <p:nvGrpSpPr>
+        <p:cNvPr id="1" name=""/>
+        <p:cNvGrpSpPr/>
+        <p:nvPr/>
+      </p:nvGrpSpPr>
+      <p:grpSpPr>
+        <a:xfrm>
+          <a:off x="0" y="0"/>
+          <a:ext cx="0" cy="0"/>
+          <a:chOff x="0" y="0"/>
+          <a:chExt cx="0" cy="0"/>
+        </a:xfrm>
+      </p:grpSpPr>
+      <p:sp>
+        <p:nvSpPr>
+          <p:cNvPr id="2" name="Slide Image Placeholder 1"/>
+          <p:cNvSpPr>
+            <a:spLocks noGrp="1" noRot="1" noChangeAspect="1"/>
+          </p:cNvSpPr>
+          <p:nvPr>
+            <p:ph type="sldImg"/>
+          </p:nvPr>
+        </p:nvSpPr>
+        <p:spPr/>
+      </p:sp>
+      <p:sp>
+        <p:nvSpPr>
+          <p:cNvPr id="3" name="Notes Placeholder 2"/>
+          <p:cNvSpPr>
+            <a:spLocks noGrp="1"/>
+          </p:cNvSpPr>
+          <p:nvPr>
+            <p:ph type="body" idx="1"/>
+          </p:nvPr>
+        </p:nvSpPr>
+        <p:spPr/>
+        <p:txBody>
+          <a:bodyPr/>
+          <a:lstStyle/>
+          <a:p>
+            <a:r>
+              <a:rPr lang="en-US" dirty="0" smtClean="0"/>
+              <a:t>This</a:t>
+            </a:r>
+            <a:r>
+              <a:rPr lang="en-US" baseline="0" dirty="0" smtClean="0"/>
+              <a:t> is the Great Pacific Garbage patch. It is twice the size of Texas. Water basically swirls in a huge current and gets collected in one area</a:t>
+            </a:r>
+            <a:endParaRPr lang="en-US" dirty="0"/>
+          </a:p>
+        </p:txBody>
+      </p:sp>
+      <p:sp>
+        <p:nvSpPr>
+          <p:cNvPr id="4" name="Slide Number Placeholder 3"/>
+          <p:cNvSpPr>
+            <a:spLocks noGrp="1"/>
+          </p:cNvSpPr>
+          <p:nvPr>
+            <p:ph type="sldNum" sz="quarter" idx="10"/>
+          </p:nvPr>
+        </p:nvSpPr>
+        <p:spPr/>
+        <p:txBody>
+          <a:bodyPr/>
+          <a:lstStyle/>
+          <a:p>
+            <a:fld id="{A466435C-5B28-5042-9BB8-46CA067E8E08}" type="slidenum">
+              <a:rPr lang="en-US" smtClean="0"/>
+              <a:t>3</a:t>
+            </a:fld>
+            <a:endParaRPr lang="en-US"/>
+          </a:p>
+        </p:txBody>
+      </p:sp>
+    </p:spTree>
+    <p:extLst>
+      <p:ext uri="{BB962C8B-B14F-4D97-AF65-F5344CB8AC3E}">
+        <p14:creationId xmlns:p14="http://schemas.microsoft.com/office/powerpoint/2010/main" val="2471904504"/>
+      </p:ext>
+    </p:extLst>
+  </p:cSld>
+  <p:clrMapOvr>
+    <a:masterClrMapping/>
+  </p:clrMapOvr>
+</p:notes>
+</file>
+
+<file path=ppt/notesSlides/notesSlide3.xml><?xml version="1.0" encoding="utf-8"?>
 <p:notes xmlns:a="http://schemas.openxmlformats.org/drawingml/2006/main" xmlns:r="http://schemas.openxmlformats.org/officeDocument/2006/relationships" xmlns:p="http://schemas.openxmlformats.org/presentationml/2006/main">
   <p:cSld>
     <p:spTree>
@@ -998,7 +1210,7 @@
           <a:p>
             <a:fld id="{7D290233-0DD1-4A80-BB1E-9ADC3556DBB6}" type="datetimeFigureOut">
               <a:rPr lang="en-US" smtClean="0"/>
-              <a:t>3/28/18</a:t>
+              <a:t>3/29/18</a:t>
             </a:fld>
             <a:endParaRPr lang="en-US"/>
           </a:p>
@@ -1609,7 +1821,7 @@
           <a:p>
             <a:fld id="{7D290233-0DD1-4A80-BB1E-9ADC3556DBB6}" type="datetimeFigureOut">
               <a:rPr lang="en-US" smtClean="0"/>
-              <a:t>3/28/18</a:t>
+              <a:t>3/29/18</a:t>
             </a:fld>
             <a:endParaRPr lang="en-US"/>
           </a:p>
@@ -2181,7 +2393,7 @@
           <a:p>
             <a:fld id="{7D290233-0DD1-4A80-BB1E-9ADC3556DBB6}" type="datetimeFigureOut">
               <a:rPr lang="en-US" smtClean="0"/>
-              <a:t>3/28/18</a:t>
+              <a:t>3/29/18</a:t>
             </a:fld>
             <a:endParaRPr lang="en-US"/>
           </a:p>
@@ -2715,7 +2927,7 @@
           <a:p>
             <a:fld id="{7D290233-0DD1-4A80-BB1E-9ADC3556DBB6}" type="datetimeFigureOut">
               <a:rPr lang="en-US" smtClean="0"/>
-              <a:t>3/28/18</a:t>
+              <a:t>3/29/18</a:t>
             </a:fld>
             <a:endParaRPr lang="en-US"/>
           </a:p>
@@ -3117,7 +3329,7 @@
           <a:p>
             <a:fld id="{7D290233-0DD1-4A80-BB1E-9ADC3556DBB6}" type="datetimeFigureOut">
               <a:rPr lang="en-US" smtClean="0"/>
-              <a:t>3/28/18</a:t>
+              <a:t>3/29/18</a:t>
             </a:fld>
             <a:endParaRPr lang="en-US"/>
           </a:p>
@@ -3550,7 +3762,7 @@
           <a:p>
             <a:fld id="{7D290233-0DD1-4A80-BB1E-9ADC3556DBB6}" type="datetimeFigureOut">
               <a:rPr lang="en-US" smtClean="0"/>
-              <a:t>3/28/18</a:t>
+              <a:t>3/29/18</a:t>
             </a:fld>
             <a:endParaRPr lang="en-US"/>
           </a:p>
@@ -3952,7 +4164,7 @@
           <a:p>
             <a:fld id="{7D290233-0DD1-4A80-BB1E-9ADC3556DBB6}" type="datetimeFigureOut">
               <a:rPr lang="en-US" smtClean="0"/>
-              <a:t>3/28/18</a:t>
+              <a:t>3/29/18</a:t>
             </a:fld>
             <a:endParaRPr lang="en-US"/>
           </a:p>
@@ -4426,7 +4638,7 @@
           <a:p>
             <a:fld id="{7D290233-0DD1-4A80-BB1E-9ADC3556DBB6}" type="datetimeFigureOut">
               <a:rPr lang="en-US" smtClean="0"/>
-              <a:t>3/28/18</a:t>
+              <a:t>3/29/18</a:t>
             </a:fld>
             <a:endParaRPr lang="en-US"/>
           </a:p>
@@ -4876,7 +5088,7 @@
           <a:p>
             <a:fld id="{7D290233-0DD1-4A80-BB1E-9ADC3556DBB6}" type="datetimeFigureOut">
               <a:rPr lang="en-US" smtClean="0"/>
-              <a:t>3/28/18</a:t>
+              <a:t>3/29/18</a:t>
             </a:fld>
             <a:endParaRPr lang="en-US"/>
           </a:p>
@@ -5396,7 +5608,7 @@
           <a:p>
             <a:fld id="{7D290233-0DD1-4A80-BB1E-9ADC3556DBB6}" type="datetimeFigureOut">
               <a:rPr lang="en-US" smtClean="0"/>
-              <a:t>3/28/18</a:t>
+              <a:t>3/29/18</a:t>
             </a:fld>
             <a:endParaRPr lang="en-US"/>
           </a:p>
@@ -6116,7 +6328,7 @@
           <a:p>
             <a:fld id="{7D290233-0DD1-4A80-BB1E-9ADC3556DBB6}" type="datetimeFigureOut">
               <a:rPr lang="en-US" smtClean="0"/>
-              <a:t>3/28/18</a:t>
+              <a:t>3/29/18</a:t>
             </a:fld>
             <a:endParaRPr lang="en-US"/>
           </a:p>
@@ -6462,7 +6674,7 @@
           <a:p>
             <a:fld id="{7D290233-0DD1-4A80-BB1E-9ADC3556DBB6}" type="datetimeFigureOut">
               <a:rPr lang="en-US" smtClean="0"/>
-              <a:t>3/28/18</a:t>
+              <a:t>3/29/18</a:t>
             </a:fld>
             <a:endParaRPr lang="en-US"/>
           </a:p>
@@ -6731,7 +6943,7 @@
           <a:p>
             <a:fld id="{7D290233-0DD1-4A80-BB1E-9ADC3556DBB6}" type="datetimeFigureOut">
               <a:rPr lang="en-US" smtClean="0"/>
-              <a:t>3/28/18</a:t>
+              <a:t>3/29/18</a:t>
             </a:fld>
             <a:endParaRPr lang="en-US"/>
           </a:p>
@@ -7288,7 +7500,7 @@
           <a:p>
             <a:fld id="{7D290233-0DD1-4A80-BB1E-9ADC3556DBB6}" type="datetimeFigureOut">
               <a:rPr lang="en-US" smtClean="0"/>
-              <a:t>3/28/18</a:t>
+              <a:t>3/29/18</a:t>
             </a:fld>
             <a:endParaRPr lang="en-US"/>
           </a:p>
@@ -7498,7 +7710,7 @@
           <a:p>
             <a:fld id="{7D290233-0DD1-4A80-BB1E-9ADC3556DBB6}" type="datetimeFigureOut">
               <a:rPr lang="en-US" smtClean="0"/>
-              <a:t>3/28/18</a:t>
+              <a:t>3/29/18</a:t>
             </a:fld>
             <a:endParaRPr lang="en-US"/>
           </a:p>
@@ -8178,8 +8390,19 @@
                 <a:latin typeface="Garamond"/>
                 <a:cs typeface="Garamond"/>
               </a:rPr>
-              <a:t>Waste accumulates in hazardous ways</a:t>
-            </a:r>
+              <a:t>Waste accumulates in </a:t>
+            </a:r>
+            <a:r>
+              <a:rPr lang="en-US" dirty="0" smtClean="0">
+                <a:latin typeface="Garamond"/>
+                <a:cs typeface="Garamond"/>
+              </a:rPr>
+              <a:t>undesirable ways</a:t>
+            </a:r>
+            <a:endParaRPr lang="en-US" dirty="0" smtClean="0">
+              <a:latin typeface="Garamond"/>
+              <a:cs typeface="Garamond"/>
+            </a:endParaRPr>
           </a:p>
           <a:p>
             <a:r>
@@ -8235,7 +8458,7 @@
           <p:nvPr/>
         </p:nvPicPr>
         <p:blipFill>
-          <a:blip r:embed="rId2"/>
+          <a:blip r:embed="rId3"/>
           <a:stretch>
             <a:fillRect/>
           </a:stretch>
@@ -8451,14 +8674,14 @@
                 <a:latin typeface="Garamond"/>
                 <a:cs typeface="Garamond"/>
               </a:rPr>
-              <a:t>Two </a:t>
+              <a:t>Participants will </a:t>
             </a:r>
             <a:r>
               <a:rPr lang="en-US" dirty="0">
                 <a:latin typeface="Garamond"/>
                 <a:cs typeface="Garamond"/>
               </a:rPr>
-              <a:t>teams can be predetermined, and the teams will increase their displayed score by recycling more material. </a:t>
+              <a:t>increase their displayed score by recycling more material. </a:t>
             </a:r>
             <a:r>
               <a:rPr lang="en-US" dirty="0" smtClean="0">
@@ -8512,19 +8735,16 @@
               <a:t>awarded </a:t>
             </a:r>
             <a:r>
-              <a:rPr lang="en-US" dirty="0">
-                <a:latin typeface="Garamond"/>
-                <a:cs typeface="Garamond"/>
-              </a:rPr>
-              <a:t>to the team that </a:t>
-            </a:r>
-            <a:r>
               <a:rPr lang="en-US" dirty="0" smtClean="0">
                 <a:latin typeface="Garamond"/>
                 <a:cs typeface="Garamond"/>
               </a:rPr>
-              <a:t>wins</a:t>
-            </a:r>
+              <a:t>if goal is hit</a:t>
+            </a:r>
+            <a:endParaRPr lang="en-US" dirty="0" smtClean="0">
+              <a:latin typeface="Garamond"/>
+              <a:cs typeface="Garamond"/>
+            </a:endParaRPr>
           </a:p>
           <a:p>
             <a:r>
@@ -8532,7 +8752,21 @@
                 <a:latin typeface="Garamond"/>
                 <a:cs typeface="Garamond"/>
               </a:rPr>
-              <a:t>Aims to further educate the players on community recycling  operations and environmental benefits.</a:t>
+              <a:t>Aims to further educate the players on community recycling </a:t>
+            </a:r>
+            <a:r>
+              <a:rPr lang="en-US" dirty="0" smtClean="0">
+                <a:latin typeface="Garamond"/>
+                <a:cs typeface="Garamond"/>
+              </a:rPr>
+              <a:t>operations </a:t>
+            </a:r>
+            <a:r>
+              <a:rPr lang="en-US" dirty="0" smtClean="0">
+                <a:latin typeface="Garamond"/>
+                <a:cs typeface="Garamond"/>
+              </a:rPr>
+              <a:t>and environmental benefits.</a:t>
             </a:r>
           </a:p>
           <a:p>
@@ -8597,10 +8831,6 @@
               </a:rPr>
               <a:t>PROPOSAL CHANGES</a:t>
             </a:r>
-            <a:endParaRPr lang="en-US" spc="300" dirty="0">
-              <a:latin typeface="Century Gothic"/>
-              <a:cs typeface="Century Gothic"/>
-            </a:endParaRPr>
           </a:p>
         </p:txBody>
       </p:sp>
@@ -8654,9 +8884,29 @@
                 <a:latin typeface="Garamond"/>
                 <a:cs typeface="Garamond"/>
               </a:rPr>
-              <a:t>Unnecessary complexity</a:t>
+              <a:t>Unnecessary </a:t>
+            </a:r>
+            <a:r>
+              <a:rPr lang="en-US" dirty="0" smtClean="0">
+                <a:latin typeface="Garamond"/>
+                <a:cs typeface="Garamond"/>
+              </a:rPr>
+              <a:t>complexity</a:t>
             </a:r>
             <a:endParaRPr lang="en-US" dirty="0">
+              <a:latin typeface="Garamond"/>
+              <a:cs typeface="Garamond"/>
+            </a:endParaRPr>
+          </a:p>
+          <a:p>
+            <a:r>
+              <a:rPr lang="en-US" dirty="0" smtClean="0">
+                <a:latin typeface="Garamond"/>
+                <a:cs typeface="Garamond"/>
+              </a:rPr>
+              <a:t>Instead of teams, make it a group effort with a time constraint</a:t>
+            </a:r>
+            <a:endParaRPr lang="en-US" dirty="0" smtClean="0">
               <a:latin typeface="Garamond"/>
               <a:cs typeface="Garamond"/>
             </a:endParaRPr>
@@ -9283,31 +9533,34 @@
                 <a:latin typeface="Garamond"/>
                 <a:cs typeface="Garamond"/>
               </a:rPr>
-              <a:t>Original weight sensors were not </a:t>
-            </a:r>
+              <a:t>Original weight sensors were not ideal, new sensors on the way</a:t>
+            </a:r>
+          </a:p>
+          <a:p>
+            <a:pPr lvl="1"/>
             <a:r>
               <a:rPr lang="en-US" dirty="0" smtClean="0">
                 <a:latin typeface="Garamond"/>
                 <a:cs typeface="Garamond"/>
               </a:rPr>
-              <a:t>ideal, new </a:t>
+              <a:t>LED Array almost </a:t>
             </a:r>
             <a:r>
               <a:rPr lang="en-US" dirty="0" smtClean="0">
                 <a:latin typeface="Garamond"/>
                 <a:cs typeface="Garamond"/>
               </a:rPr>
-              <a:t>sensors on the way</a:t>
-            </a:r>
-          </a:p>
-          <a:p>
-            <a:pPr lvl="1"/>
+              <a:t>complete</a:t>
+            </a:r>
+          </a:p>
+          <a:p>
+            <a:pPr lvl="2"/>
             <a:r>
               <a:rPr lang="en-US" dirty="0" smtClean="0">
                 <a:latin typeface="Garamond"/>
                 <a:cs typeface="Garamond"/>
               </a:rPr>
-              <a:t>LED Array almost complete</a:t>
+              <a:t>Have to design patterns through array data structure</a:t>
             </a:r>
             <a:endParaRPr lang="en-US" dirty="0">
               <a:latin typeface="Garamond"/>

--- a/Status Presentation.pptx
+++ b/Status Presentation.pptx
@@ -5,7 +5,7 @@
     <p:sldMasterId id="2147483660" r:id="rId1"/>
   </p:sldMasterIdLst>
   <p:notesMasterIdLst>
-    <p:notesMasterId r:id="rId11"/>
+    <p:notesMasterId r:id="rId15"/>
   </p:notesMasterIdLst>
   <p:sldIdLst>
     <p:sldId id="256" r:id="rId2"/>
@@ -16,7 +16,11 @@
     <p:sldId id="261" r:id="rId7"/>
     <p:sldId id="262" r:id="rId8"/>
     <p:sldId id="264" r:id="rId9"/>
-    <p:sldId id="263" r:id="rId10"/>
+    <p:sldId id="265" r:id="rId10"/>
+    <p:sldId id="267" r:id="rId11"/>
+    <p:sldId id="266" r:id="rId12"/>
+    <p:sldId id="263" r:id="rId13"/>
+    <p:sldId id="268" r:id="rId14"/>
   </p:sldIdLst>
   <p:sldSz cx="9144000" cy="6858000" type="screen4x3"/>
   <p:notesSz cx="6858000" cy="9144000"/>
@@ -765,6 +769,90 @@
     <p:extLst>
       <p:ext uri="{BB962C8B-B14F-4D97-AF65-F5344CB8AC3E}">
         <p14:creationId xmlns:p14="http://schemas.microsoft.com/office/powerpoint/2010/main" val="2657021826"/>
+      </p:ext>
+    </p:extLst>
+  </p:cSld>
+  <p:clrMapOvr>
+    <a:masterClrMapping/>
+  </p:clrMapOvr>
+</p:notes>
+</file>
+
+<file path=ppt/notesSlides/notesSlide4.xml><?xml version="1.0" encoding="utf-8"?>
+<p:notes xmlns:a="http://schemas.openxmlformats.org/drawingml/2006/main" xmlns:r="http://schemas.openxmlformats.org/officeDocument/2006/relationships" xmlns:p="http://schemas.openxmlformats.org/presentationml/2006/main">
+  <p:cSld>
+    <p:spTree>
+      <p:nvGrpSpPr>
+        <p:cNvPr id="1" name=""/>
+        <p:cNvGrpSpPr/>
+        <p:nvPr/>
+      </p:nvGrpSpPr>
+      <p:grpSpPr>
+        <a:xfrm>
+          <a:off x="0" y="0"/>
+          <a:ext cx="0" cy="0"/>
+          <a:chOff x="0" y="0"/>
+          <a:chExt cx="0" cy="0"/>
+        </a:xfrm>
+      </p:grpSpPr>
+      <p:sp>
+        <p:nvSpPr>
+          <p:cNvPr id="2" name="Slide Image Placeholder 1"/>
+          <p:cNvSpPr>
+            <a:spLocks noGrp="1" noRot="1" noChangeAspect="1"/>
+          </p:cNvSpPr>
+          <p:nvPr>
+            <p:ph type="sldImg"/>
+          </p:nvPr>
+        </p:nvSpPr>
+        <p:spPr/>
+      </p:sp>
+      <p:sp>
+        <p:nvSpPr>
+          <p:cNvPr id="3" name="Notes Placeholder 2"/>
+          <p:cNvSpPr>
+            <a:spLocks noGrp="1"/>
+          </p:cNvSpPr>
+          <p:nvPr>
+            <p:ph type="body" idx="1"/>
+          </p:nvPr>
+        </p:nvSpPr>
+        <p:spPr/>
+        <p:txBody>
+          <a:bodyPr/>
+          <a:lstStyle/>
+          <a:p>
+            <a:endParaRPr lang="en-US" dirty="0"/>
+          </a:p>
+        </p:txBody>
+      </p:sp>
+      <p:sp>
+        <p:nvSpPr>
+          <p:cNvPr id="4" name="Slide Number Placeholder 3"/>
+          <p:cNvSpPr>
+            <a:spLocks noGrp="1"/>
+          </p:cNvSpPr>
+          <p:nvPr>
+            <p:ph type="sldNum" sz="quarter" idx="10"/>
+          </p:nvPr>
+        </p:nvSpPr>
+        <p:spPr/>
+        <p:txBody>
+          <a:bodyPr/>
+          <a:lstStyle/>
+          <a:p>
+            <a:fld id="{A466435C-5B28-5042-9BB8-46CA067E8E08}" type="slidenum">
+              <a:rPr lang="en-US" smtClean="0"/>
+              <a:t>9</a:t>
+            </a:fld>
+            <a:endParaRPr lang="en-US"/>
+          </a:p>
+        </p:txBody>
+      </p:sp>
+    </p:spTree>
+    <p:extLst>
+      <p:ext uri="{BB962C8B-B14F-4D97-AF65-F5344CB8AC3E}">
+        <p14:creationId xmlns:p14="http://schemas.microsoft.com/office/powerpoint/2010/main" val="859136078"/>
       </p:ext>
     </p:extLst>
   </p:cSld>
@@ -8258,6 +8346,504 @@
 </p:sld>
 </file>
 
+<file path=ppt/slides/slide10.xml><?xml version="1.0" encoding="utf-8"?>
+<p:sld xmlns:a="http://schemas.openxmlformats.org/drawingml/2006/main" xmlns:r="http://schemas.openxmlformats.org/officeDocument/2006/relationships" xmlns:p="http://schemas.openxmlformats.org/presentationml/2006/main">
+  <p:cSld>
+    <p:spTree>
+      <p:nvGrpSpPr>
+        <p:cNvPr id="1" name=""/>
+        <p:cNvGrpSpPr/>
+        <p:nvPr/>
+      </p:nvGrpSpPr>
+      <p:grpSpPr>
+        <a:xfrm>
+          <a:off x="0" y="0"/>
+          <a:ext cx="0" cy="0"/>
+          <a:chOff x="0" y="0"/>
+          <a:chExt cx="0" cy="0"/>
+        </a:xfrm>
+      </p:grpSpPr>
+      <p:sp>
+        <p:nvSpPr>
+          <p:cNvPr id="4" name="Title 3"/>
+          <p:cNvSpPr>
+            <a:spLocks noGrp="1"/>
+          </p:cNvSpPr>
+          <p:nvPr>
+            <p:ph type="title"/>
+          </p:nvPr>
+        </p:nvSpPr>
+        <p:spPr/>
+        <p:txBody>
+          <a:bodyPr/>
+          <a:lstStyle/>
+          <a:p>
+            <a:r>
+              <a:rPr lang="en-US" spc="300" dirty="0" smtClean="0">
+                <a:latin typeface="Century Gothic"/>
+                <a:cs typeface="Century Gothic"/>
+              </a:rPr>
+              <a:t>OUR CODE</a:t>
+            </a:r>
+            <a:endParaRPr lang="en-US" spc="300" dirty="0">
+              <a:latin typeface="Century Gothic"/>
+              <a:cs typeface="Century Gothic"/>
+            </a:endParaRPr>
+          </a:p>
+        </p:txBody>
+      </p:sp>
+      <p:pic>
+        <p:nvPicPr>
+          <p:cNvPr id="7" name="Content Placeholder 6" descr="Screen Shot 2018-03-29 at 11.44.41 AM.jpg"/>
+          <p:cNvPicPr>
+            <a:picLocks noGrp="1" noChangeAspect="1"/>
+          </p:cNvPicPr>
+          <p:nvPr>
+            <p:ph idx="1"/>
+          </p:nvPr>
+        </p:nvPicPr>
+        <p:blipFill>
+          <a:blip r:embed="rId2">
+            <a:extLst>
+              <a:ext uri="{28A0092B-C50C-407E-A947-70E740481C1C}">
+                <a14:useLocalDpi xmlns:a14="http://schemas.microsoft.com/office/drawing/2010/main" val="0"/>
+              </a:ext>
+            </a:extLst>
+          </a:blip>
+          <a:srcRect t="-33208" b="-33208"/>
+          <a:stretch>
+            <a:fillRect/>
+          </a:stretch>
+        </p:blipFill>
+        <p:spPr/>
+      </p:pic>
+      <p:sp>
+        <p:nvSpPr>
+          <p:cNvPr id="6" name="Text Placeholder 5"/>
+          <p:cNvSpPr>
+            <a:spLocks noGrp="1"/>
+          </p:cNvSpPr>
+          <p:nvPr>
+            <p:ph type="body" sz="half" idx="2"/>
+          </p:nvPr>
+        </p:nvSpPr>
+        <p:spPr/>
+        <p:txBody>
+          <a:bodyPr/>
+          <a:lstStyle/>
+          <a:p>
+            <a:pPr marL="285750" indent="-285750">
+              <a:buFont typeface="Arial"/>
+              <a:buChar char="•"/>
+            </a:pPr>
+            <a:r>
+              <a:rPr lang="en-US" dirty="0" smtClean="0">
+                <a:latin typeface="Garamond"/>
+                <a:cs typeface="Garamond"/>
+              </a:rPr>
+              <a:t>Conditionals to test when new weights are sensed</a:t>
+            </a:r>
+          </a:p>
+          <a:p>
+            <a:pPr marL="285750" indent="-285750">
+              <a:buFont typeface="Arial"/>
+              <a:buChar char="•"/>
+            </a:pPr>
+            <a:r>
+              <a:rPr lang="en-US" dirty="0" smtClean="0">
+                <a:latin typeface="Garamond"/>
+                <a:cs typeface="Garamond"/>
+              </a:rPr>
+              <a:t>Light up LEDs when necessary</a:t>
+            </a:r>
+            <a:endParaRPr lang="en-US" dirty="0">
+              <a:latin typeface="Garamond"/>
+              <a:cs typeface="Garamond"/>
+            </a:endParaRPr>
+          </a:p>
+        </p:txBody>
+      </p:sp>
+    </p:spTree>
+    <p:extLst>
+      <p:ext uri="{BB962C8B-B14F-4D97-AF65-F5344CB8AC3E}">
+        <p14:creationId xmlns:p14="http://schemas.microsoft.com/office/powerpoint/2010/main" val="1266768176"/>
+      </p:ext>
+    </p:extLst>
+  </p:cSld>
+  <p:clrMapOvr>
+    <a:masterClrMapping/>
+  </p:clrMapOvr>
+</p:sld>
+</file>
+
+<file path=ppt/slides/slide11.xml><?xml version="1.0" encoding="utf-8"?>
+<p:sld xmlns:a="http://schemas.openxmlformats.org/drawingml/2006/main" xmlns:r="http://schemas.openxmlformats.org/officeDocument/2006/relationships" xmlns:p="http://schemas.openxmlformats.org/presentationml/2006/main">
+  <p:cSld>
+    <p:spTree>
+      <p:nvGrpSpPr>
+        <p:cNvPr id="1" name=""/>
+        <p:cNvGrpSpPr/>
+        <p:nvPr/>
+      </p:nvGrpSpPr>
+      <p:grpSpPr>
+        <a:xfrm>
+          <a:off x="0" y="0"/>
+          <a:ext cx="0" cy="0"/>
+          <a:chOff x="0" y="0"/>
+          <a:chExt cx="0" cy="0"/>
+        </a:xfrm>
+      </p:grpSpPr>
+      <p:sp>
+        <p:nvSpPr>
+          <p:cNvPr id="5" name="Title 4"/>
+          <p:cNvSpPr>
+            <a:spLocks noGrp="1"/>
+          </p:cNvSpPr>
+          <p:nvPr>
+            <p:ph type="title"/>
+          </p:nvPr>
+        </p:nvSpPr>
+        <p:spPr/>
+        <p:txBody>
+          <a:bodyPr/>
+          <a:lstStyle/>
+          <a:p>
+            <a:r>
+              <a:rPr lang="en-US" spc="300" dirty="0" smtClean="0">
+                <a:latin typeface="Century Gothic"/>
+                <a:cs typeface="Century Gothic"/>
+              </a:rPr>
+              <a:t>BETA LOGISTICS</a:t>
+            </a:r>
+            <a:endParaRPr lang="en-US" spc="300" dirty="0">
+              <a:latin typeface="Century Gothic"/>
+              <a:cs typeface="Century Gothic"/>
+            </a:endParaRPr>
+          </a:p>
+        </p:txBody>
+      </p:sp>
+      <p:sp>
+        <p:nvSpPr>
+          <p:cNvPr id="6" name="Content Placeholder 5"/>
+          <p:cNvSpPr>
+            <a:spLocks noGrp="1"/>
+          </p:cNvSpPr>
+          <p:nvPr>
+            <p:ph idx="1"/>
+          </p:nvPr>
+        </p:nvSpPr>
+        <p:spPr/>
+        <p:txBody>
+          <a:bodyPr/>
+          <a:lstStyle/>
+          <a:p>
+            <a:r>
+              <a:rPr lang="en-US" dirty="0" smtClean="0"/>
+              <a:t>Experiment on </a:t>
+            </a:r>
+            <a:r>
+              <a:rPr lang="en-US" dirty="0" err="1" smtClean="0"/>
+              <a:t>Sohile’s</a:t>
+            </a:r>
+            <a:r>
+              <a:rPr lang="en-US" dirty="0" smtClean="0"/>
+              <a:t> Floor</a:t>
+            </a:r>
+          </a:p>
+          <a:p>
+            <a:r>
+              <a:rPr lang="en-US" dirty="0" smtClean="0"/>
+              <a:t>Control </a:t>
+            </a:r>
+            <a:r>
+              <a:rPr lang="mr-IN" dirty="0" smtClean="0"/>
+              <a:t>–</a:t>
+            </a:r>
+            <a:r>
+              <a:rPr lang="en-US" dirty="0" smtClean="0"/>
+              <a:t> Regular Recycling</a:t>
+            </a:r>
+          </a:p>
+          <a:p>
+            <a:r>
+              <a:rPr lang="en-US" dirty="0" smtClean="0"/>
+              <a:t>Treatment </a:t>
+            </a:r>
+            <a:r>
+              <a:rPr lang="mr-IN" dirty="0" smtClean="0"/>
+              <a:t>–</a:t>
+            </a:r>
+            <a:r>
+              <a:rPr lang="en-US" dirty="0" smtClean="0"/>
+              <a:t> R&amp;R with incentive</a:t>
+            </a:r>
+            <a:endParaRPr lang="en-US" dirty="0"/>
+          </a:p>
+        </p:txBody>
+      </p:sp>
+    </p:spTree>
+    <p:extLst>
+      <p:ext uri="{BB962C8B-B14F-4D97-AF65-F5344CB8AC3E}">
+        <p14:creationId xmlns:p14="http://schemas.microsoft.com/office/powerpoint/2010/main" val="2426647936"/>
+      </p:ext>
+    </p:extLst>
+  </p:cSld>
+  <p:clrMapOvr>
+    <a:masterClrMapping/>
+  </p:clrMapOvr>
+</p:sld>
+</file>
+
+<file path=ppt/slides/slide12.xml><?xml version="1.0" encoding="utf-8"?>
+<p:sld xmlns:a="http://schemas.openxmlformats.org/drawingml/2006/main" xmlns:r="http://schemas.openxmlformats.org/officeDocument/2006/relationships" xmlns:p="http://schemas.openxmlformats.org/presentationml/2006/main">
+  <p:cSld>
+    <p:spTree>
+      <p:nvGrpSpPr>
+        <p:cNvPr id="1" name=""/>
+        <p:cNvGrpSpPr/>
+        <p:nvPr/>
+      </p:nvGrpSpPr>
+      <p:grpSpPr>
+        <a:xfrm>
+          <a:off x="0" y="0"/>
+          <a:ext cx="0" cy="0"/>
+          <a:chOff x="0" y="0"/>
+          <a:chExt cx="0" cy="0"/>
+        </a:xfrm>
+      </p:grpSpPr>
+      <p:sp>
+        <p:nvSpPr>
+          <p:cNvPr id="2" name="Title 1"/>
+          <p:cNvSpPr>
+            <a:spLocks noGrp="1"/>
+          </p:cNvSpPr>
+          <p:nvPr>
+            <p:ph type="title"/>
+          </p:nvPr>
+        </p:nvSpPr>
+        <p:spPr/>
+        <p:txBody>
+          <a:bodyPr>
+            <a:normAutofit/>
+          </a:bodyPr>
+          <a:lstStyle/>
+          <a:p>
+            <a:r>
+              <a:rPr lang="en-US" spc="300" dirty="0" smtClean="0">
+                <a:latin typeface="Century Gothic"/>
+                <a:cs typeface="Century Gothic"/>
+              </a:rPr>
+              <a:t>STATUS UPDATE</a:t>
+            </a:r>
+            <a:endParaRPr lang="en-US" spc="300" dirty="0">
+              <a:latin typeface="Century Gothic"/>
+              <a:cs typeface="Century Gothic"/>
+            </a:endParaRPr>
+          </a:p>
+        </p:txBody>
+      </p:sp>
+      <p:sp>
+        <p:nvSpPr>
+          <p:cNvPr id="3" name="Content Placeholder 2"/>
+          <p:cNvSpPr>
+            <a:spLocks noGrp="1"/>
+          </p:cNvSpPr>
+          <p:nvPr>
+            <p:ph idx="1"/>
+          </p:nvPr>
+        </p:nvSpPr>
+        <p:spPr/>
+        <p:txBody>
+          <a:bodyPr/>
+          <a:lstStyle/>
+          <a:p>
+            <a:r>
+              <a:rPr lang="en-US" dirty="0" smtClean="0">
+                <a:latin typeface="Garamond"/>
+                <a:cs typeface="Garamond"/>
+              </a:rPr>
+              <a:t>Not very behind where we want to be </a:t>
+            </a:r>
+          </a:p>
+          <a:p>
+            <a:pPr lvl="1"/>
+            <a:r>
+              <a:rPr lang="en-US" dirty="0" smtClean="0">
+                <a:latin typeface="Garamond"/>
+                <a:cs typeface="Garamond"/>
+              </a:rPr>
+              <a:t>Fried </a:t>
+            </a:r>
+            <a:r>
+              <a:rPr lang="en-US" dirty="0" err="1" smtClean="0">
+                <a:latin typeface="Garamond"/>
+                <a:cs typeface="Garamond"/>
+              </a:rPr>
+              <a:t>Arduino</a:t>
+            </a:r>
+            <a:r>
+              <a:rPr lang="en-US" dirty="0" smtClean="0">
+                <a:latin typeface="Garamond"/>
+                <a:cs typeface="Garamond"/>
+              </a:rPr>
+              <a:t> Uno</a:t>
+            </a:r>
+          </a:p>
+          <a:p>
+            <a:pPr lvl="1"/>
+            <a:r>
+              <a:rPr lang="en-US" dirty="0" smtClean="0">
+                <a:latin typeface="Garamond"/>
+                <a:cs typeface="Garamond"/>
+              </a:rPr>
+              <a:t>Original weight sensors were not ideal, new sensors on the way</a:t>
+            </a:r>
+          </a:p>
+          <a:p>
+            <a:pPr marL="350838" lvl="1" indent="0">
+              <a:buNone/>
+            </a:pPr>
+            <a:endParaRPr lang="en-US" dirty="0">
+              <a:latin typeface="Garamond"/>
+              <a:cs typeface="Garamond"/>
+            </a:endParaRPr>
+          </a:p>
+        </p:txBody>
+      </p:sp>
+    </p:spTree>
+    <p:extLst>
+      <p:ext uri="{BB962C8B-B14F-4D97-AF65-F5344CB8AC3E}">
+        <p14:creationId xmlns:p14="http://schemas.microsoft.com/office/powerpoint/2010/main" val="3189836131"/>
+      </p:ext>
+    </p:extLst>
+  </p:cSld>
+  <p:clrMapOvr>
+    <a:masterClrMapping/>
+  </p:clrMapOvr>
+  <p:timing>
+    <p:tnLst>
+      <p:par>
+        <p:cTn xmlns:p14="http://schemas.microsoft.com/office/powerpoint/2010/main" id="1" dur="indefinite" restart="never" nodeType="tmRoot"/>
+      </p:par>
+    </p:tnLst>
+  </p:timing>
+</p:sld>
+</file>
+
+<file path=ppt/slides/slide13.xml><?xml version="1.0" encoding="utf-8"?>
+<p:sld xmlns:a="http://schemas.openxmlformats.org/drawingml/2006/main" xmlns:r="http://schemas.openxmlformats.org/officeDocument/2006/relationships" xmlns:p="http://schemas.openxmlformats.org/presentationml/2006/main">
+  <p:cSld>
+    <p:spTree>
+      <p:nvGrpSpPr>
+        <p:cNvPr id="1" name=""/>
+        <p:cNvGrpSpPr/>
+        <p:nvPr/>
+      </p:nvGrpSpPr>
+      <p:grpSpPr>
+        <a:xfrm>
+          <a:off x="0" y="0"/>
+          <a:ext cx="0" cy="0"/>
+          <a:chOff x="0" y="0"/>
+          <a:chExt cx="0" cy="0"/>
+        </a:xfrm>
+      </p:grpSpPr>
+      <p:sp>
+        <p:nvSpPr>
+          <p:cNvPr id="2" name="Title 1"/>
+          <p:cNvSpPr>
+            <a:spLocks noGrp="1"/>
+          </p:cNvSpPr>
+          <p:nvPr>
+            <p:ph type="title"/>
+          </p:nvPr>
+        </p:nvSpPr>
+        <p:spPr/>
+        <p:txBody>
+          <a:bodyPr/>
+          <a:lstStyle/>
+          <a:p>
+            <a:r>
+              <a:rPr lang="en-US" spc="300" dirty="0" smtClean="0">
+                <a:latin typeface="Century Gothic"/>
+                <a:cs typeface="Century Gothic"/>
+              </a:rPr>
+              <a:t>FUTURE WORK</a:t>
+            </a:r>
+            <a:endParaRPr lang="en-US" spc="300" dirty="0">
+              <a:latin typeface="Century Gothic"/>
+              <a:cs typeface="Century Gothic"/>
+            </a:endParaRPr>
+          </a:p>
+        </p:txBody>
+      </p:sp>
+      <p:sp>
+        <p:nvSpPr>
+          <p:cNvPr id="3" name="Content Placeholder 2"/>
+          <p:cNvSpPr>
+            <a:spLocks noGrp="1"/>
+          </p:cNvSpPr>
+          <p:nvPr>
+            <p:ph idx="1"/>
+          </p:nvPr>
+        </p:nvSpPr>
+        <p:spPr/>
+        <p:txBody>
+          <a:bodyPr/>
+          <a:lstStyle/>
+          <a:p>
+            <a:r>
+              <a:rPr lang="en-US" dirty="0">
+                <a:latin typeface="Garamond"/>
+                <a:cs typeface="Garamond"/>
+              </a:rPr>
+              <a:t>LED Array almost complete</a:t>
+            </a:r>
+          </a:p>
+          <a:p>
+            <a:pPr lvl="1"/>
+            <a:r>
+              <a:rPr lang="en-US" dirty="0">
+                <a:latin typeface="Garamond"/>
+                <a:cs typeface="Garamond"/>
+              </a:rPr>
+              <a:t>Have to design patterns through array data structure</a:t>
+            </a:r>
+          </a:p>
+          <a:p>
+            <a:r>
+              <a:rPr lang="en-US" dirty="0" smtClean="0">
+                <a:latin typeface="Garamond"/>
+                <a:cs typeface="Garamond"/>
+              </a:rPr>
+              <a:t>Weight sensor hookup and </a:t>
+            </a:r>
+            <a:r>
+              <a:rPr lang="en-US" smtClean="0">
+                <a:latin typeface="Garamond"/>
+                <a:cs typeface="Garamond"/>
+              </a:rPr>
+              <a:t>construct box</a:t>
+            </a:r>
+            <a:endParaRPr lang="en-US" dirty="0">
+              <a:latin typeface="Garamond"/>
+              <a:cs typeface="Garamond"/>
+            </a:endParaRPr>
+          </a:p>
+        </p:txBody>
+      </p:sp>
+    </p:spTree>
+    <p:extLst>
+      <p:ext uri="{BB962C8B-B14F-4D97-AF65-F5344CB8AC3E}">
+        <p14:creationId xmlns:p14="http://schemas.microsoft.com/office/powerpoint/2010/main" val="3493273661"/>
+      </p:ext>
+    </p:extLst>
+  </p:cSld>
+  <p:clrMapOvr>
+    <a:masterClrMapping/>
+  </p:clrMapOvr>
+</p:sld>
+</file>
+
 <file path=ppt/slides/slide2.xml><?xml version="1.0" encoding="utf-8"?>
 <p:sld xmlns:a="http://schemas.openxmlformats.org/drawingml/2006/main" xmlns:r="http://schemas.openxmlformats.org/officeDocument/2006/relationships" xmlns:p="http://schemas.openxmlformats.org/presentationml/2006/main">
   <p:cSld>
@@ -8390,19 +8976,8 @@
                 <a:latin typeface="Garamond"/>
                 <a:cs typeface="Garamond"/>
               </a:rPr>
-              <a:t>Waste accumulates in </a:t>
-            </a:r>
-            <a:r>
-              <a:rPr lang="en-US" dirty="0" smtClean="0">
-                <a:latin typeface="Garamond"/>
-                <a:cs typeface="Garamond"/>
-              </a:rPr>
-              <a:t>undesirable ways</a:t>
-            </a:r>
-            <a:endParaRPr lang="en-US" dirty="0" smtClean="0">
-              <a:latin typeface="Garamond"/>
-              <a:cs typeface="Garamond"/>
-            </a:endParaRPr>
+              <a:t>Waste accumulates in undesirable ways</a:t>
+            </a:r>
           </a:p>
           <a:p>
             <a:r>
@@ -8732,41 +9307,16 @@
                 <a:latin typeface="Garamond"/>
                 <a:cs typeface="Garamond"/>
               </a:rPr>
-              <a:t>awarded </a:t>
-            </a:r>
+              <a:t>awarded if goal is hit</a:t>
+            </a:r>
+          </a:p>
+          <a:p>
             <a:r>
               <a:rPr lang="en-US" dirty="0" smtClean="0">
                 <a:latin typeface="Garamond"/>
                 <a:cs typeface="Garamond"/>
               </a:rPr>
-              <a:t>if goal is hit</a:t>
-            </a:r>
-            <a:endParaRPr lang="en-US" dirty="0" smtClean="0">
-              <a:latin typeface="Garamond"/>
-              <a:cs typeface="Garamond"/>
-            </a:endParaRPr>
-          </a:p>
-          <a:p>
-            <a:r>
-              <a:rPr lang="en-US" dirty="0" smtClean="0">
-                <a:latin typeface="Garamond"/>
-                <a:cs typeface="Garamond"/>
-              </a:rPr>
-              <a:t>Aims to further educate the players on community recycling </a:t>
-            </a:r>
-            <a:r>
-              <a:rPr lang="en-US" dirty="0" smtClean="0">
-                <a:latin typeface="Garamond"/>
-                <a:cs typeface="Garamond"/>
-              </a:rPr>
-              <a:t>operations </a:t>
-            </a:r>
-            <a:r>
-              <a:rPr lang="en-US" dirty="0" smtClean="0">
-                <a:latin typeface="Garamond"/>
-                <a:cs typeface="Garamond"/>
-              </a:rPr>
-              <a:t>and environmental benefits.</a:t>
+              <a:t>Aims to further educate the players on community recycling operations and environmental benefits.</a:t>
             </a:r>
           </a:p>
           <a:p>
@@ -8884,14 +9434,7 @@
                 <a:latin typeface="Garamond"/>
                 <a:cs typeface="Garamond"/>
               </a:rPr>
-              <a:t>Unnecessary </a:t>
-            </a:r>
-            <a:r>
-              <a:rPr lang="en-US" dirty="0" smtClean="0">
-                <a:latin typeface="Garamond"/>
-                <a:cs typeface="Garamond"/>
-              </a:rPr>
-              <a:t>complexity</a:t>
+              <a:t>Unnecessary complexity</a:t>
             </a:r>
             <a:endParaRPr lang="en-US" dirty="0">
               <a:latin typeface="Garamond"/>
@@ -8906,10 +9449,6 @@
               </a:rPr>
               <a:t>Instead of teams, make it a group effort with a time constraint</a:t>
             </a:r>
-            <a:endParaRPr lang="en-US" dirty="0" smtClean="0">
-              <a:latin typeface="Garamond"/>
-              <a:cs typeface="Garamond"/>
-            </a:endParaRPr>
           </a:p>
         </p:txBody>
       </p:sp>
@@ -9428,6 +9967,13 @@
   <p:clrMapOvr>
     <a:masterClrMapping/>
   </p:clrMapOvr>
+  <p:timing>
+    <p:tnLst>
+      <p:par>
+        <p:cTn xmlns:p14="http://schemas.microsoft.com/office/powerpoint/2010/main" id="1" dur="indefinite" restart="never" nodeType="tmRoot"/>
+      </p:par>
+    </p:tnLst>
+  </p:timing>
 </p:sld>
 </file>
 
@@ -9458,134 +10004,141 @@
             <p:ph type="title"/>
           </p:nvPr>
         </p:nvSpPr>
-        <p:spPr/>
-        <p:txBody>
-          <a:bodyPr>
-            <a:normAutofit/>
-          </a:bodyPr>
+        <p:spPr>
+          <a:xfrm>
+            <a:off x="679756" y="1957297"/>
+            <a:ext cx="3008376" cy="1993265"/>
+          </a:xfrm>
+        </p:spPr>
+        <p:txBody>
+          <a:bodyPr/>
           <a:lstStyle/>
           <a:p>
             <a:r>
-              <a:rPr lang="en-US" spc="300" dirty="0" smtClean="0">
+              <a:rPr lang="en-US" sz="3600" spc="300" dirty="0" smtClean="0">
                 <a:latin typeface="Century Gothic"/>
                 <a:cs typeface="Century Gothic"/>
               </a:rPr>
-              <a:t>STATUS UPDATE</a:t>
-            </a:r>
-            <a:endParaRPr lang="en-US" spc="300" dirty="0">
+              <a:t>WEIGHT SENSOR FRITZING </a:t>
+            </a:r>
+            <a:endParaRPr lang="en-US" sz="3600" spc="300" dirty="0">
               <a:latin typeface="Century Gothic"/>
               <a:cs typeface="Century Gothic"/>
             </a:endParaRPr>
           </a:p>
         </p:txBody>
       </p:sp>
-      <p:sp>
-        <p:nvSpPr>
-          <p:cNvPr id="3" name="Content Placeholder 2"/>
-          <p:cNvSpPr>
-            <a:spLocks noGrp="1"/>
-          </p:cNvSpPr>
-          <p:nvPr>
-            <p:ph idx="1"/>
-          </p:nvPr>
-        </p:nvSpPr>
+      <p:pic>
+        <p:nvPicPr>
+          <p:cNvPr id="5" name="Picture Placeholder 4" descr="fritzing.jpg"/>
+          <p:cNvPicPr>
+            <a:picLocks noGrp="1" noChangeAspect="1"/>
+          </p:cNvPicPr>
+          <p:nvPr>
+            <p:ph type="pic" idx="1"/>
+          </p:nvPr>
+        </p:nvPicPr>
+        <p:blipFill>
+          <a:blip r:embed="rId3">
+            <a:extLst>
+              <a:ext uri="{28A0092B-C50C-407E-A947-70E740481C1C}">
+                <a14:useLocalDpi xmlns:a14="http://schemas.microsoft.com/office/drawing/2010/main" val="0"/>
+              </a:ext>
+            </a:extLst>
+          </a:blip>
+          <a:srcRect t="-40278" b="-40278"/>
+          <a:stretch>
+            <a:fillRect/>
+          </a:stretch>
+        </p:blipFill>
         <p:spPr/>
-        <p:txBody>
-          <a:bodyPr/>
+      </p:pic>
+      <p:sp>
+        <p:nvSpPr>
+          <p:cNvPr id="7" name="TextBox 6"/>
+          <p:cNvSpPr txBox="1"/>
+          <p:nvPr/>
+        </p:nvSpPr>
+        <p:spPr>
+          <a:xfrm>
+            <a:off x="219659" y="5803888"/>
+            <a:ext cx="8670009" cy="553998"/>
+          </a:xfrm>
+          <a:prstGeom prst="rect">
+            <a:avLst/>
+          </a:prstGeom>
+          <a:noFill/>
+        </p:spPr>
+        <p:txBody>
+          <a:bodyPr wrap="square" rtlCol="0">
+            <a:spAutoFit/>
+          </a:bodyPr>
           <a:lstStyle/>
           <a:p>
             <a:r>
-              <a:rPr lang="en-US" dirty="0" smtClean="0">
-                <a:latin typeface="Garamond"/>
-                <a:cs typeface="Garamond"/>
-              </a:rPr>
-              <a:t>Not very behind where we want to be </a:t>
-            </a:r>
-          </a:p>
-          <a:p>
-            <a:pPr lvl="1"/>
-            <a:r>
-              <a:rPr lang="en-US" dirty="0" smtClean="0">
-                <a:latin typeface="Garamond"/>
-                <a:cs typeface="Garamond"/>
-              </a:rPr>
-              <a:t>Fried </a:t>
-            </a:r>
-            <a:r>
-              <a:rPr lang="en-US" dirty="0" err="1" smtClean="0">
-                <a:latin typeface="Garamond"/>
-                <a:cs typeface="Garamond"/>
-              </a:rPr>
+              <a:rPr lang="en-US" sz="1000" dirty="0"/>
+              <a:t>https://</a:t>
+            </a:r>
+            <a:r>
+              <a:rPr lang="en-US" sz="1000" dirty="0" err="1"/>
+              <a:t>www.amazon.com</a:t>
+            </a:r>
+            <a:r>
+              <a:rPr lang="en-US" sz="1000" dirty="0"/>
+              <a:t>/</a:t>
+            </a:r>
+            <a:r>
+              <a:rPr lang="en-US" sz="1000" dirty="0" err="1"/>
+              <a:t>Degraw</a:t>
+            </a:r>
+            <a:r>
+              <a:rPr lang="en-US" sz="1000" dirty="0"/>
+              <a:t>-amplifier-weight-</a:t>
+            </a:r>
+            <a:r>
+              <a:rPr lang="en-US" sz="1000" dirty="0" err="1"/>
               <a:t>Arduino</a:t>
             </a:r>
             <a:r>
-              <a:rPr lang="en-US" dirty="0" smtClean="0">
-                <a:latin typeface="Garamond"/>
-                <a:cs typeface="Garamond"/>
-              </a:rPr>
-              <a:t> Uno</a:t>
-            </a:r>
-          </a:p>
-          <a:p>
-            <a:pPr lvl="1"/>
-            <a:r>
-              <a:rPr lang="en-US" dirty="0" smtClean="0">
-                <a:latin typeface="Garamond"/>
-                <a:cs typeface="Garamond"/>
-              </a:rPr>
-              <a:t>Original weight sensors were not ideal, new sensors on the way</a:t>
-            </a:r>
-          </a:p>
-          <a:p>
-            <a:pPr lvl="1"/>
-            <a:r>
-              <a:rPr lang="en-US" dirty="0" smtClean="0">
-                <a:latin typeface="Garamond"/>
-                <a:cs typeface="Garamond"/>
-              </a:rPr>
-              <a:t>LED Array almost </a:t>
-            </a:r>
-            <a:r>
-              <a:rPr lang="en-US" dirty="0" smtClean="0">
-                <a:latin typeface="Garamond"/>
-                <a:cs typeface="Garamond"/>
-              </a:rPr>
-              <a:t>complete</a:t>
-            </a:r>
-          </a:p>
-          <a:p>
-            <a:pPr lvl="2"/>
-            <a:r>
-              <a:rPr lang="en-US" dirty="0" smtClean="0">
-                <a:latin typeface="Garamond"/>
-                <a:cs typeface="Garamond"/>
-              </a:rPr>
-              <a:t>Have to design patterns through array data structure</a:t>
-            </a:r>
-            <a:endParaRPr lang="en-US" dirty="0">
-              <a:latin typeface="Garamond"/>
-              <a:cs typeface="Garamond"/>
-            </a:endParaRPr>
-          </a:p>
-          <a:p>
-            <a:pPr lvl="1"/>
-            <a:endParaRPr lang="en-US" dirty="0">
-              <a:latin typeface="Garamond"/>
-              <a:cs typeface="Garamond"/>
-            </a:endParaRPr>
+              <a:rPr lang="en-US" sz="1000" dirty="0"/>
+              <a:t>-Bathroom/</a:t>
+            </a:r>
+            <a:r>
+              <a:rPr lang="en-US" sz="1000" dirty="0" err="1"/>
+              <a:t>dp</a:t>
+            </a:r>
+            <a:r>
+              <a:rPr lang="en-US" sz="1000" dirty="0"/>
+              <a:t>/B075Y5R7T7/ref=pd_sbs_23_3?_encoding=UTF8&amp;pd_rd_i=B075Y5R7T7&amp;pd_rd_r=MXVQFYFQ9R52N5K2AQGN&amp;pd_rd_w=guo4w&amp;pd_rd_wg=</a:t>
+            </a:r>
+            <a:r>
+              <a:rPr lang="en-US" sz="1000" dirty="0" err="1"/>
+              <a:t>yOKFv&amp;psc</a:t>
+            </a:r>
+            <a:r>
+              <a:rPr lang="en-US" sz="1000" dirty="0"/>
+              <a:t>=1&amp;refRID=MXVQFYFQ9R52N5K2AQGN</a:t>
+            </a:r>
           </a:p>
         </p:txBody>
       </p:sp>
     </p:spTree>
     <p:extLst>
       <p:ext uri="{BB962C8B-B14F-4D97-AF65-F5344CB8AC3E}">
-        <p14:creationId xmlns:p14="http://schemas.microsoft.com/office/powerpoint/2010/main" val="3189836131"/>
+        <p14:creationId xmlns:p14="http://schemas.microsoft.com/office/powerpoint/2010/main" val="3286414398"/>
       </p:ext>
     </p:extLst>
   </p:cSld>
   <p:clrMapOvr>
     <a:masterClrMapping/>
   </p:clrMapOvr>
+  <p:timing>
+    <p:tnLst>
+      <p:par>
+        <p:cTn xmlns:p14="http://schemas.microsoft.com/office/powerpoint/2010/main" id="1" dur="indefinite" restart="never" nodeType="tmRoot"/>
+      </p:par>
+    </p:tnLst>
+  </p:timing>
 </p:sld>
 </file>
 
